--- a/wireFrame.pptx
+++ b/wireFrame.pptx
@@ -6,6 +6,7 @@
   </p:sldMasterIdLst>
   <p:sldIdLst>
     <p:sldId id="256" r:id="rId2"/>
+    <p:sldId id="257" r:id="rId3"/>
   </p:sldIdLst>
   <p:sldSz cx="12192000" cy="6858000"/>
   <p:notesSz cx="6858000" cy="9144000"/>
@@ -104,6 +105,11 @@
       </a:defRPr>
     </a:lvl9pPr>
   </p:defaultTextStyle>
+  <p:extLst>
+    <p:ext uri="{EFAFB233-063F-42B5-8137-9DF3F51BA10A}">
+      <p15:sldGuideLst xmlns:p15="http://schemas.microsoft.com/office/powerpoint/2012/main"/>
+    </p:ext>
+  </p:extLst>
 </p:presentation>
 </file>
 
@@ -256,7 +262,7 @@
           <a:p>
             <a:fld id="{A74E0DAF-A6A6-4D1B-8056-6509EF7FAAC5}" type="datetimeFigureOut">
               <a:rPr lang="en-AU" smtClean="0"/>
-              <a:t>30/04/2025</a:t>
+              <a:t>6/05/2025</a:t>
             </a:fld>
             <a:endParaRPr lang="en-AU"/>
           </a:p>
@@ -456,7 +462,7 @@
           <a:p>
             <a:fld id="{A74E0DAF-A6A6-4D1B-8056-6509EF7FAAC5}" type="datetimeFigureOut">
               <a:rPr lang="en-AU" smtClean="0"/>
-              <a:t>30/04/2025</a:t>
+              <a:t>6/05/2025</a:t>
             </a:fld>
             <a:endParaRPr lang="en-AU"/>
           </a:p>
@@ -666,7 +672,7 @@
           <a:p>
             <a:fld id="{A74E0DAF-A6A6-4D1B-8056-6509EF7FAAC5}" type="datetimeFigureOut">
               <a:rPr lang="en-AU" smtClean="0"/>
-              <a:t>30/04/2025</a:t>
+              <a:t>6/05/2025</a:t>
             </a:fld>
             <a:endParaRPr lang="en-AU"/>
           </a:p>
@@ -866,7 +872,7 @@
           <a:p>
             <a:fld id="{A74E0DAF-A6A6-4D1B-8056-6509EF7FAAC5}" type="datetimeFigureOut">
               <a:rPr lang="en-AU" smtClean="0"/>
-              <a:t>30/04/2025</a:t>
+              <a:t>6/05/2025</a:t>
             </a:fld>
             <a:endParaRPr lang="en-AU"/>
           </a:p>
@@ -1142,7 +1148,7 @@
           <a:p>
             <a:fld id="{A74E0DAF-A6A6-4D1B-8056-6509EF7FAAC5}" type="datetimeFigureOut">
               <a:rPr lang="en-AU" smtClean="0"/>
-              <a:t>30/04/2025</a:t>
+              <a:t>6/05/2025</a:t>
             </a:fld>
             <a:endParaRPr lang="en-AU"/>
           </a:p>
@@ -1410,7 +1416,7 @@
           <a:p>
             <a:fld id="{A74E0DAF-A6A6-4D1B-8056-6509EF7FAAC5}" type="datetimeFigureOut">
               <a:rPr lang="en-AU" smtClean="0"/>
-              <a:t>30/04/2025</a:t>
+              <a:t>6/05/2025</a:t>
             </a:fld>
             <a:endParaRPr lang="en-AU"/>
           </a:p>
@@ -1825,7 +1831,7 @@
           <a:p>
             <a:fld id="{A74E0DAF-A6A6-4D1B-8056-6509EF7FAAC5}" type="datetimeFigureOut">
               <a:rPr lang="en-AU" smtClean="0"/>
-              <a:t>30/04/2025</a:t>
+              <a:t>6/05/2025</a:t>
             </a:fld>
             <a:endParaRPr lang="en-AU"/>
           </a:p>
@@ -1967,7 +1973,7 @@
           <a:p>
             <a:fld id="{A74E0DAF-A6A6-4D1B-8056-6509EF7FAAC5}" type="datetimeFigureOut">
               <a:rPr lang="en-AU" smtClean="0"/>
-              <a:t>30/04/2025</a:t>
+              <a:t>6/05/2025</a:t>
             </a:fld>
             <a:endParaRPr lang="en-AU"/>
           </a:p>
@@ -2080,7 +2086,7 @@
           <a:p>
             <a:fld id="{A74E0DAF-A6A6-4D1B-8056-6509EF7FAAC5}" type="datetimeFigureOut">
               <a:rPr lang="en-AU" smtClean="0"/>
-              <a:t>30/04/2025</a:t>
+              <a:t>6/05/2025</a:t>
             </a:fld>
             <a:endParaRPr lang="en-AU"/>
           </a:p>
@@ -2393,7 +2399,7 @@
           <a:p>
             <a:fld id="{A74E0DAF-A6A6-4D1B-8056-6509EF7FAAC5}" type="datetimeFigureOut">
               <a:rPr lang="en-AU" smtClean="0"/>
-              <a:t>30/04/2025</a:t>
+              <a:t>6/05/2025</a:t>
             </a:fld>
             <a:endParaRPr lang="en-AU"/>
           </a:p>
@@ -2682,7 +2688,7 @@
           <a:p>
             <a:fld id="{A74E0DAF-A6A6-4D1B-8056-6509EF7FAAC5}" type="datetimeFigureOut">
               <a:rPr lang="en-AU" smtClean="0"/>
-              <a:t>30/04/2025</a:t>
+              <a:t>6/05/2025</a:t>
             </a:fld>
             <a:endParaRPr lang="en-AU"/>
           </a:p>
@@ -2925,7 +2931,7 @@
           <a:p>
             <a:fld id="{A74E0DAF-A6A6-4D1B-8056-6509EF7FAAC5}" type="datetimeFigureOut">
               <a:rPr lang="en-AU" smtClean="0"/>
-              <a:t>30/04/2025</a:t>
+              <a:t>6/05/2025</a:t>
             </a:fld>
             <a:endParaRPr lang="en-AU"/>
           </a:p>
@@ -3480,10 +3486,431 @@
           </a:p>
         </p:txBody>
       </p:sp>
+      <p:sp>
+        <p:nvSpPr>
+          <p:cNvPr id="7" name="Rectangle 6">
+            <a:extLst>
+              <a:ext uri="{FF2B5EF4-FFF2-40B4-BE49-F238E27FC236}">
+                <a16:creationId xmlns:a16="http://schemas.microsoft.com/office/drawing/2014/main" id="{25A15C52-3001-FCEC-B1D1-6910746B9D10}"/>
+              </a:ext>
+            </a:extLst>
+          </p:cNvPr>
+          <p:cNvSpPr/>
+          <p:nvPr/>
+        </p:nvSpPr>
+        <p:spPr>
+          <a:xfrm>
+            <a:off x="5208233" y="2630009"/>
+            <a:ext cx="887767" cy="798991"/>
+          </a:xfrm>
+          <a:prstGeom prst="rect">
+            <a:avLst/>
+          </a:prstGeom>
+        </p:spPr>
+        <p:style>
+          <a:lnRef idx="2">
+            <a:schemeClr val="dk1"/>
+          </a:lnRef>
+          <a:fillRef idx="1">
+            <a:schemeClr val="lt1"/>
+          </a:fillRef>
+          <a:effectRef idx="0">
+            <a:schemeClr val="dk1"/>
+          </a:effectRef>
+          <a:fontRef idx="minor">
+            <a:schemeClr val="dk1"/>
+          </a:fontRef>
+        </p:style>
+        <p:txBody>
+          <a:bodyPr rtlCol="0" anchor="ctr"/>
+          <a:lstStyle/>
+          <a:p>
+            <a:pPr algn="ctr"/>
+            <a:r>
+              <a:rPr lang="en-AU" sz="1200" dirty="0" err="1"/>
+              <a:t>Color</a:t>
+            </a:r>
+            <a:r>
+              <a:rPr lang="en-AU" sz="1200" dirty="0"/>
+              <a:t> bar for DHW</a:t>
+            </a:r>
+          </a:p>
+        </p:txBody>
+      </p:sp>
     </p:spTree>
     <p:extLst>
       <p:ext uri="{BB962C8B-B14F-4D97-AF65-F5344CB8AC3E}">
         <p14:creationId xmlns:p14="http://schemas.microsoft.com/office/powerpoint/2010/main" val="584696602"/>
+      </p:ext>
+    </p:extLst>
+  </p:cSld>
+  <p:clrMapOvr>
+    <a:masterClrMapping/>
+  </p:clrMapOvr>
+</p:sld>
+</file>
+
+<file path=ppt/slides/slide2.xml><?xml version="1.0" encoding="utf-8"?>
+<p:sld xmlns:a="http://schemas.openxmlformats.org/drawingml/2006/main" xmlns:r="http://schemas.openxmlformats.org/officeDocument/2006/relationships" xmlns:p="http://schemas.openxmlformats.org/presentationml/2006/main">
+  <p:cSld>
+    <p:spTree>
+      <p:nvGrpSpPr>
+        <p:cNvPr id="1" name=""/>
+        <p:cNvGrpSpPr/>
+        <p:nvPr/>
+      </p:nvGrpSpPr>
+      <p:grpSpPr>
+        <a:xfrm>
+          <a:off x="0" y="0"/>
+          <a:ext cx="0" cy="0"/>
+          <a:chOff x="0" y="0"/>
+          <a:chExt cx="0" cy="0"/>
+        </a:xfrm>
+      </p:grpSpPr>
+      <p:sp>
+        <p:nvSpPr>
+          <p:cNvPr id="2" name="Rectangle 1">
+            <a:extLst>
+              <a:ext uri="{FF2B5EF4-FFF2-40B4-BE49-F238E27FC236}">
+                <a16:creationId xmlns:a16="http://schemas.microsoft.com/office/drawing/2014/main" id="{939037D5-FB19-3A48-0518-DB3973261D95}"/>
+              </a:ext>
+            </a:extLst>
+          </p:cNvPr>
+          <p:cNvSpPr/>
+          <p:nvPr/>
+        </p:nvSpPr>
+        <p:spPr>
+          <a:xfrm>
+            <a:off x="690465" y="429208"/>
+            <a:ext cx="10898155" cy="5915608"/>
+          </a:xfrm>
+          <a:prstGeom prst="rect">
+            <a:avLst/>
+          </a:prstGeom>
+        </p:spPr>
+        <p:style>
+          <a:lnRef idx="2">
+            <a:schemeClr val="dk1"/>
+          </a:lnRef>
+          <a:fillRef idx="1">
+            <a:schemeClr val="lt1"/>
+          </a:fillRef>
+          <a:effectRef idx="0">
+            <a:schemeClr val="dk1"/>
+          </a:effectRef>
+          <a:fontRef idx="minor">
+            <a:schemeClr val="dk1"/>
+          </a:fontRef>
+        </p:style>
+        <p:txBody>
+          <a:bodyPr rtlCol="0" anchor="ctr"/>
+          <a:lstStyle/>
+          <a:p>
+            <a:pPr algn="ctr"/>
+            <a:endParaRPr lang="en-AU" dirty="0"/>
+          </a:p>
+        </p:txBody>
+      </p:sp>
+      <p:cxnSp>
+        <p:nvCxnSpPr>
+          <p:cNvPr id="4" name="Straight Connector 3">
+            <a:extLst>
+              <a:ext uri="{FF2B5EF4-FFF2-40B4-BE49-F238E27FC236}">
+                <a16:creationId xmlns:a16="http://schemas.microsoft.com/office/drawing/2014/main" id="{866E5CD3-71FF-F06C-48C9-92A984528F53}"/>
+              </a:ext>
+            </a:extLst>
+          </p:cNvPr>
+          <p:cNvCxnSpPr/>
+          <p:nvPr/>
+        </p:nvCxnSpPr>
+        <p:spPr>
+          <a:xfrm>
+            <a:off x="690465" y="1231641"/>
+            <a:ext cx="10898155" cy="0"/>
+          </a:xfrm>
+          <a:prstGeom prst="line">
+            <a:avLst/>
+          </a:prstGeom>
+        </p:spPr>
+        <p:style>
+          <a:lnRef idx="1">
+            <a:schemeClr val="dk1"/>
+          </a:lnRef>
+          <a:fillRef idx="0">
+            <a:schemeClr val="dk1"/>
+          </a:fillRef>
+          <a:effectRef idx="0">
+            <a:schemeClr val="dk1"/>
+          </a:effectRef>
+          <a:fontRef idx="minor">
+            <a:schemeClr val="tx1"/>
+          </a:fontRef>
+        </p:style>
+      </p:cxnSp>
+      <p:cxnSp>
+        <p:nvCxnSpPr>
+          <p:cNvPr id="6" name="Straight Connector 5">
+            <a:extLst>
+              <a:ext uri="{FF2B5EF4-FFF2-40B4-BE49-F238E27FC236}">
+                <a16:creationId xmlns:a16="http://schemas.microsoft.com/office/drawing/2014/main" id="{1E690BC9-546F-2307-C9D3-BE5654498E1E}"/>
+              </a:ext>
+            </a:extLst>
+          </p:cNvPr>
+          <p:cNvCxnSpPr/>
+          <p:nvPr/>
+        </p:nvCxnSpPr>
+        <p:spPr>
+          <a:xfrm>
+            <a:off x="2323324" y="1231641"/>
+            <a:ext cx="0" cy="5113175"/>
+          </a:xfrm>
+          <a:prstGeom prst="line">
+            <a:avLst/>
+          </a:prstGeom>
+        </p:spPr>
+        <p:style>
+          <a:lnRef idx="1">
+            <a:schemeClr val="dk1"/>
+          </a:lnRef>
+          <a:fillRef idx="0">
+            <a:schemeClr val="dk1"/>
+          </a:fillRef>
+          <a:effectRef idx="0">
+            <a:schemeClr val="dk1"/>
+          </a:effectRef>
+          <a:fontRef idx="minor">
+            <a:schemeClr val="tx1"/>
+          </a:fontRef>
+        </p:style>
+      </p:cxnSp>
+      <p:sp>
+        <p:nvSpPr>
+          <p:cNvPr id="8" name="TextBox 7">
+            <a:extLst>
+              <a:ext uri="{FF2B5EF4-FFF2-40B4-BE49-F238E27FC236}">
+                <a16:creationId xmlns:a16="http://schemas.microsoft.com/office/drawing/2014/main" id="{E2B396EF-08CD-0E7F-653A-C153924DCD29}"/>
+              </a:ext>
+            </a:extLst>
+          </p:cNvPr>
+          <p:cNvSpPr txBox="1"/>
+          <p:nvPr/>
+        </p:nvSpPr>
+        <p:spPr>
+          <a:xfrm>
+            <a:off x="5645021" y="645759"/>
+            <a:ext cx="595035" cy="369332"/>
+          </a:xfrm>
+          <a:prstGeom prst="rect">
+            <a:avLst/>
+          </a:prstGeom>
+          <a:noFill/>
+        </p:spPr>
+        <p:txBody>
+          <a:bodyPr wrap="none" rtlCol="0">
+            <a:spAutoFit/>
+          </a:bodyPr>
+          <a:lstStyle/>
+          <a:p>
+            <a:r>
+              <a:rPr lang="en-AU" dirty="0"/>
+              <a:t>Title</a:t>
+            </a:r>
+          </a:p>
+        </p:txBody>
+      </p:sp>
+      <p:sp>
+        <p:nvSpPr>
+          <p:cNvPr id="9" name="Rectangle 8">
+            <a:extLst>
+              <a:ext uri="{FF2B5EF4-FFF2-40B4-BE49-F238E27FC236}">
+                <a16:creationId xmlns:a16="http://schemas.microsoft.com/office/drawing/2014/main" id="{D2892032-A67E-5E29-A884-4B6BDE41DA67}"/>
+              </a:ext>
+            </a:extLst>
+          </p:cNvPr>
+          <p:cNvSpPr/>
+          <p:nvPr/>
+        </p:nvSpPr>
+        <p:spPr>
+          <a:xfrm>
+            <a:off x="830423" y="1511559"/>
+            <a:ext cx="1408920" cy="447848"/>
+          </a:xfrm>
+          <a:prstGeom prst="rect">
+            <a:avLst/>
+          </a:prstGeom>
+        </p:spPr>
+        <p:style>
+          <a:lnRef idx="2">
+            <a:schemeClr val="dk1"/>
+          </a:lnRef>
+          <a:fillRef idx="1">
+            <a:schemeClr val="lt1"/>
+          </a:fillRef>
+          <a:effectRef idx="0">
+            <a:schemeClr val="dk1"/>
+          </a:effectRef>
+          <a:fontRef idx="minor">
+            <a:schemeClr val="dk1"/>
+          </a:fontRef>
+        </p:style>
+        <p:txBody>
+          <a:bodyPr rtlCol="0" anchor="ctr"/>
+          <a:lstStyle/>
+          <a:p>
+            <a:pPr algn="ctr"/>
+            <a:r>
+              <a:rPr lang="en-AU" dirty="0"/>
+              <a:t>Dashboard</a:t>
+            </a:r>
+          </a:p>
+        </p:txBody>
+      </p:sp>
+      <p:sp>
+        <p:nvSpPr>
+          <p:cNvPr id="10" name="Rectangle 9">
+            <a:extLst>
+              <a:ext uri="{FF2B5EF4-FFF2-40B4-BE49-F238E27FC236}">
+                <a16:creationId xmlns:a16="http://schemas.microsoft.com/office/drawing/2014/main" id="{37E2BF8A-AE09-D56B-C4D4-014CED8160E3}"/>
+              </a:ext>
+            </a:extLst>
+          </p:cNvPr>
+          <p:cNvSpPr/>
+          <p:nvPr/>
+        </p:nvSpPr>
+        <p:spPr>
+          <a:xfrm>
+            <a:off x="830423" y="2121159"/>
+            <a:ext cx="1408923" cy="447848"/>
+          </a:xfrm>
+          <a:prstGeom prst="rect">
+            <a:avLst/>
+          </a:prstGeom>
+        </p:spPr>
+        <p:style>
+          <a:lnRef idx="2">
+            <a:schemeClr val="dk1"/>
+          </a:lnRef>
+          <a:fillRef idx="1">
+            <a:schemeClr val="lt1"/>
+          </a:fillRef>
+          <a:effectRef idx="0">
+            <a:schemeClr val="dk1"/>
+          </a:effectRef>
+          <a:fontRef idx="minor">
+            <a:schemeClr val="dk1"/>
+          </a:fontRef>
+        </p:style>
+        <p:txBody>
+          <a:bodyPr rtlCol="0" anchor="ctr"/>
+          <a:lstStyle/>
+          <a:p>
+            <a:pPr algn="ctr"/>
+            <a:r>
+              <a:rPr lang="en-AU" dirty="0"/>
+              <a:t>Introduction</a:t>
+            </a:r>
+          </a:p>
+        </p:txBody>
+      </p:sp>
+      <p:sp>
+        <p:nvSpPr>
+          <p:cNvPr id="11" name="Rectangle 10">
+            <a:extLst>
+              <a:ext uri="{FF2B5EF4-FFF2-40B4-BE49-F238E27FC236}">
+                <a16:creationId xmlns:a16="http://schemas.microsoft.com/office/drawing/2014/main" id="{A091F4B5-7E6F-B406-93DC-05E1F27E421A}"/>
+              </a:ext>
+            </a:extLst>
+          </p:cNvPr>
+          <p:cNvSpPr/>
+          <p:nvPr/>
+        </p:nvSpPr>
+        <p:spPr>
+          <a:xfrm>
+            <a:off x="830423" y="2730759"/>
+            <a:ext cx="1408923" cy="447848"/>
+          </a:xfrm>
+          <a:prstGeom prst="rect">
+            <a:avLst/>
+          </a:prstGeom>
+        </p:spPr>
+        <p:style>
+          <a:lnRef idx="2">
+            <a:schemeClr val="dk1"/>
+          </a:lnRef>
+          <a:fillRef idx="1">
+            <a:schemeClr val="lt1"/>
+          </a:fillRef>
+          <a:effectRef idx="0">
+            <a:schemeClr val="dk1"/>
+          </a:effectRef>
+          <a:fontRef idx="minor">
+            <a:schemeClr val="dk1"/>
+          </a:fontRef>
+        </p:style>
+        <p:txBody>
+          <a:bodyPr rtlCol="0" anchor="ctr"/>
+          <a:lstStyle/>
+          <a:p>
+            <a:pPr algn="ctr"/>
+            <a:r>
+              <a:rPr lang="en-AU" dirty="0"/>
+              <a:t>Map</a:t>
+            </a:r>
+          </a:p>
+        </p:txBody>
+      </p:sp>
+      <p:sp>
+        <p:nvSpPr>
+          <p:cNvPr id="12" name="Rectangle 11">
+            <a:extLst>
+              <a:ext uri="{FF2B5EF4-FFF2-40B4-BE49-F238E27FC236}">
+                <a16:creationId xmlns:a16="http://schemas.microsoft.com/office/drawing/2014/main" id="{92C3D6EA-1738-0510-F86D-1A19DD457CF5}"/>
+              </a:ext>
+            </a:extLst>
+          </p:cNvPr>
+          <p:cNvSpPr/>
+          <p:nvPr/>
+        </p:nvSpPr>
+        <p:spPr>
+          <a:xfrm>
+            <a:off x="830420" y="3340381"/>
+            <a:ext cx="1408923" cy="447848"/>
+          </a:xfrm>
+          <a:prstGeom prst="rect">
+            <a:avLst/>
+          </a:prstGeom>
+        </p:spPr>
+        <p:style>
+          <a:lnRef idx="2">
+            <a:schemeClr val="dk1"/>
+          </a:lnRef>
+          <a:fillRef idx="1">
+            <a:schemeClr val="lt1"/>
+          </a:fillRef>
+          <a:effectRef idx="0">
+            <a:schemeClr val="dk1"/>
+          </a:effectRef>
+          <a:fontRef idx="minor">
+            <a:schemeClr val="dk1"/>
+          </a:fontRef>
+        </p:style>
+        <p:txBody>
+          <a:bodyPr rtlCol="0" anchor="ctr"/>
+          <a:lstStyle/>
+          <a:p>
+            <a:pPr algn="ctr"/>
+            <a:r>
+              <a:rPr lang="en-AU"/>
+              <a:t>ENSO+DHW</a:t>
+            </a:r>
+            <a:endParaRPr lang="en-AU" dirty="0"/>
+          </a:p>
+        </p:txBody>
+      </p:sp>
+    </p:spTree>
+    <p:extLst>
+      <p:ext uri="{BB962C8B-B14F-4D97-AF65-F5344CB8AC3E}">
+        <p14:creationId xmlns:p14="http://schemas.microsoft.com/office/powerpoint/2010/main" val="2473161884"/>
       </p:ext>
     </p:extLst>
   </p:cSld>
